--- a/ppt/Dashboards.pptx
+++ b/ppt/Dashboards.pptx
@@ -6,7 +6,8 @@
   </p:sldMasterIdLst>
   <p:sldIdLst>
     <p:sldId id="259" r:id="rId2"/>
-    <p:sldId id="257" r:id="rId3"/>
+    <p:sldId id="256" r:id="rId3"/>
+    <p:sldId id="260" r:id="rId4"/>
   </p:sldIdLst>
   <p:sldSz cx="12192000" cy="6858000"/>
   <p:notesSz cx="6858000" cy="9144000"/>
@@ -105,6 +106,11 @@
       </a:defRPr>
     </a:lvl9pPr>
   </p:defaultTextStyle>
+  <p:extLst>
+    <p:ext uri="{EFAFB233-063F-42B5-8137-9DF3F51BA10A}">
+      <p15:sldGuideLst xmlns:p15="http://schemas.microsoft.com/office/powerpoint/2012/main"/>
+    </p:ext>
+  </p:extLst>
 </p:presentation>
 </file>
 
@@ -3324,65 +3330,122 @@
       </p:grpSpPr>
       <p:sp>
         <p:nvSpPr>
-          <p:cNvPr id="2" name="Título 1">
-            <a:extLst>
-              <a:ext uri="{FF2B5EF4-FFF2-40B4-BE49-F238E27FC236}">
-                <a16:creationId xmlns:a16="http://schemas.microsoft.com/office/drawing/2014/main" id="{B6B5EF84-45D8-8AE2-2813-A989B887CCE7}"/>
-              </a:ext>
-            </a:extLst>
-          </p:cNvPr>
-          <p:cNvSpPr>
+          <p:cNvPr id="6" name="Add-in_Banner">
+            <a:extLst>
+              <a:ext uri="{FF2B5EF4-FFF2-40B4-BE49-F238E27FC236}">
+                <a16:creationId xmlns:a16="http://schemas.microsoft.com/office/drawing/2014/main" id="{3469E413-BCF5-4E2F-BE4B-EB617C589FA5}"/>
+              </a:ext>
+            </a:extLst>
+          </p:cNvPr>
+          <p:cNvSpPr txBox="1">
             <a:spLocks noGrp="1"/>
           </p:cNvSpPr>
           <p:nvPr>
             <p:ph type="title"/>
           </p:nvPr>
         </p:nvSpPr>
-        <p:spPr/>
-        <p:txBody>
-          <a:bodyPr/>
-          <a:lstStyle/>
-          <a:p>
-            <a:endParaRPr lang="es-ES"/>
-          </a:p>
-        </p:txBody>
-      </p:sp>
-      <p:sp>
-        <p:nvSpPr>
-          <p:cNvPr id="3" name="Marcador de contenido 2">
-            <a:extLst>
-              <a:ext uri="{FF2B5EF4-FFF2-40B4-BE49-F238E27FC236}">
-                <a16:creationId xmlns:a16="http://schemas.microsoft.com/office/drawing/2014/main" id="{FFF3276B-9741-ABCC-3E20-240F60C37688}"/>
-              </a:ext>
-            </a:extLst>
-          </p:cNvPr>
-          <p:cNvSpPr>
-            <a:spLocks noGrp="1"/>
-          </p:cNvSpPr>
-          <p:nvPr>
-            <p:ph idx="1"/>
-          </p:nvPr>
-        </p:nvSpPr>
-        <p:spPr/>
-        <p:txBody>
-          <a:bodyPr/>
-          <a:lstStyle/>
-          <a:p>
-            <a:endParaRPr lang="es-ES"/>
-          </a:p>
-        </p:txBody>
-      </p:sp>
+        <p:spPr>
+          <a:xfrm>
+            <a:off x="0" y="351395"/>
+            <a:ext cx="12192000" cy="640515"/>
+          </a:xfrm>
+          <a:prstGeom prst="rect">
+            <a:avLst/>
+          </a:prstGeom>
+          <a:solidFill>
+            <a:srgbClr val="494748">
+              <a:alpha val="4706"/>
+            </a:srgbClr>
+          </a:solidFill>
+          <a:ln>
+            <a:noFill/>
+          </a:ln>
+        </p:spPr>
+        <p:style>
+          <a:lnRef idx="2">
+            <a:schemeClr val="accent1">
+              <a:shade val="50000"/>
+            </a:schemeClr>
+          </a:lnRef>
+          <a:fillRef idx="1">
+            <a:schemeClr val="accent1"/>
+          </a:fillRef>
+          <a:effectRef idx="0">
+            <a:schemeClr val="accent1"/>
+          </a:effectRef>
+          <a:fontRef idx="minor">
+            <a:schemeClr val="lt1"/>
+          </a:fontRef>
+        </p:style>
+        <p:txBody>
+          <a:bodyPr rot="0" spcFirstLastPara="0" vert="horz" wrap="square" lIns="1332000" tIns="180000" rIns="216000" bIns="180000" numCol="1" spcCol="0" rtlCol="0" fromWordArt="0" anchor="ctr" anchorCtr="0" forceAA="0" compatLnSpc="1">
+            <a:prstTxWarp prst="textNoShape">
+              <a:avLst/>
+            </a:prstTxWarp>
+            <a:spAutoFit/>
+          </a:bodyPr>
+          <a:lstStyle/>
+          <a:p>
+            <a:pPr algn="l" rtl="0">
+              <a:spcAft>
+                <a:spcPts val="0"/>
+              </a:spcAft>
+            </a:pPr>
+            <a:r>
+              <a:rPr lang="en-GB" sz="1800" dirty="0">
+                <a:solidFill>
+                  <a:srgbClr val="000000"/>
+                </a:solidFill>
+                <a:effectLst/>
+                <a:latin typeface="Segoe UI Light" panose="020B0502040204020203" pitchFamily="34" charset="0"/>
+                <a:ea typeface="Calibri" panose="020F0502020204030204" pitchFamily="34" charset="0"/>
+                <a:cs typeface="Segoe UI Light" panose="020B0502040204020203" pitchFamily="34" charset="0"/>
+              </a:rPr>
+              <a:t>Microsoft Power BI</a:t>
+            </a:r>
+            <a:endParaRPr lang="en-IE" sz="1200" dirty="0">
+              <a:effectLst/>
+              <a:latin typeface="Segoe UI Light" panose="020B0502040204020203" pitchFamily="34" charset="0"/>
+              <a:ea typeface="Calibri" panose="020F0502020204030204" pitchFamily="34" charset="0"/>
+              <a:cs typeface="Segoe UI Light" panose="020B0502040204020203" pitchFamily="34" charset="0"/>
+            </a:endParaRPr>
+          </a:p>
+        </p:txBody>
+      </p:sp>
+      <p:pic>
+        <p:nvPicPr>
+          <p:cNvPr id="7" name="Add-in_Icon" descr="Icono de Microsoft Power BI.">
+            <a:extLst>
+              <a:ext uri="{FF2B5EF4-FFF2-40B4-BE49-F238E27FC236}">
+                <a16:creationId xmlns:a16="http://schemas.microsoft.com/office/drawing/2014/main" id="{87D43E1C-7B4D-44A2-8E6D-6786349BFB58}"/>
+              </a:ext>
+            </a:extLst>
+          </p:cNvPr>
+          <p:cNvPicPr/>
+          <p:nvPr/>
+        </p:nvPicPr>
+        <p:blipFill>
+          <a:blip r:embed="rId2"/>
+          <a:stretch>
+            <a:fillRect/>
+          </a:stretch>
+        </p:blipFill>
+        <p:spPr bwMode="auto">
+          <a:xfrm>
+            <a:off x="914400" y="530365"/>
+            <a:ext cx="291465" cy="291465"/>
+          </a:xfrm>
+          <a:prstGeom prst="rect">
+            <a:avLst/>
+          </a:prstGeom>
+          <a:noFill/>
+        </p:spPr>
+      </p:pic>
       <mc:AlternateContent xmlns:mc="http://schemas.openxmlformats.org/markup-compatibility/2006">
         <mc:Choice xmlns:we="http://schemas.microsoft.com/office/webextensions/webextension/2010/11" xmlns:pca="http://schemas.microsoft.com/office/powerpoint/2013/contentapp" Requires="we pca">
           <p:graphicFrame>
             <p:nvGraphicFramePr>
-              <p:cNvPr id="4" name="Add-in" descr="Contenido de complemento para Microsoft Power BI.">
-                <a:extLst>
-                  <a:ext uri="{FF2B5EF4-FFF2-40B4-BE49-F238E27FC236}">
-                    <a16:creationId xmlns:a16="http://schemas.microsoft.com/office/drawing/2014/main" id="{CB4B1BE6-5E84-3ACB-791F-7E6339E52C9E}"/>
-                  </a:ext>
-                </a:extLst>
-              </p:cNvPr>
+              <p:cNvPr id="2" name="Add-in" descr="Contenido de complemento para Microsoft Power BI."/>
               <p:cNvGraphicFramePr>
                 <a:graphicFrameLocks noGrp="1"/>
               </p:cNvGraphicFramePr>
@@ -3394,7 +3457,7 @@
             </p:xfrm>
             <a:graphic>
               <a:graphicData uri="http://schemas.microsoft.com/office/webextensions/webextension/2010/11">
-                <we:webextensionref xmlns:we="http://schemas.microsoft.com/office/webextensions/webextension/2010/11" xmlns:r="http://schemas.openxmlformats.org/officeDocument/2006/relationships" r:id="rId2"/>
+                <we:webextensionref xmlns:we="http://schemas.microsoft.com/office/webextensions/webextension/2010/11" xmlns:r="http://schemas.openxmlformats.org/officeDocument/2006/relationships" r:id="rId3"/>
               </a:graphicData>
             </a:graphic>
           </p:graphicFrame>
@@ -3402,20 +3465,14 @@
         <mc:Fallback>
           <p:pic>
             <p:nvPicPr>
-              <p:cNvPr id="4" name="Add-in" descr="Contenido de complemento para Microsoft Power BI.">
-                <a:extLst>
-                  <a:ext uri="{FF2B5EF4-FFF2-40B4-BE49-F238E27FC236}">
-                    <a16:creationId xmlns:a16="http://schemas.microsoft.com/office/drawing/2014/main" id="{CB4B1BE6-5E84-3ACB-791F-7E6339E52C9E}"/>
-                  </a:ext>
-                </a:extLst>
-              </p:cNvPr>
+              <p:cNvPr id="2" name="Add-in" descr="Contenido de complemento para Microsoft Power BI."/>
               <p:cNvPicPr>
                 <a:picLocks noGrp="1" noRot="1" noChangeAspect="1" noMove="1" noResize="1" noEditPoints="1" noAdjustHandles="1" noChangeArrowheads="1" noChangeShapeType="1"/>
               </p:cNvPicPr>
               <p:nvPr/>
             </p:nvPicPr>
             <p:blipFill>
-              <a:blip r:embed="rId3"/>
+              <a:blip r:embed="rId4"/>
               <a:stretch>
                 <a:fillRect/>
               </a:stretch>
@@ -3435,7 +3492,7 @@
     </p:spTree>
     <p:extLst>
       <p:ext uri="{BB962C8B-B14F-4D97-AF65-F5344CB8AC3E}">
-        <p14:creationId xmlns:p14="http://schemas.microsoft.com/office/powerpoint/2010/main" val="2206397582"/>
+        <p14:creationId xmlns:p14="http://schemas.microsoft.com/office/powerpoint/2010/main" val="3211859542"/>
       </p:ext>
     </p:extLst>
   </p:cSld>
@@ -3464,65 +3521,122 @@
       </p:grpSpPr>
       <p:sp>
         <p:nvSpPr>
-          <p:cNvPr id="2" name="Título 1">
-            <a:extLst>
-              <a:ext uri="{FF2B5EF4-FFF2-40B4-BE49-F238E27FC236}">
-                <a16:creationId xmlns:a16="http://schemas.microsoft.com/office/drawing/2014/main" id="{D7527DC1-2086-190E-F2CC-DE2E55839B92}"/>
-              </a:ext>
-            </a:extLst>
-          </p:cNvPr>
-          <p:cNvSpPr>
+          <p:cNvPr id="6" name="Add-in_Banner">
+            <a:extLst>
+              <a:ext uri="{FF2B5EF4-FFF2-40B4-BE49-F238E27FC236}">
+                <a16:creationId xmlns:a16="http://schemas.microsoft.com/office/drawing/2014/main" id="{3469E413-BCF5-4E2F-BE4B-EB617C589FA5}"/>
+              </a:ext>
+            </a:extLst>
+          </p:cNvPr>
+          <p:cNvSpPr txBox="1">
             <a:spLocks noGrp="1"/>
           </p:cNvSpPr>
           <p:nvPr>
             <p:ph type="title"/>
           </p:nvPr>
         </p:nvSpPr>
-        <p:spPr/>
-        <p:txBody>
-          <a:bodyPr/>
-          <a:lstStyle/>
-          <a:p>
-            <a:endParaRPr lang="es-ES"/>
-          </a:p>
-        </p:txBody>
-      </p:sp>
-      <p:sp>
-        <p:nvSpPr>
-          <p:cNvPr id="3" name="Marcador de contenido 2">
-            <a:extLst>
-              <a:ext uri="{FF2B5EF4-FFF2-40B4-BE49-F238E27FC236}">
-                <a16:creationId xmlns:a16="http://schemas.microsoft.com/office/drawing/2014/main" id="{156F5FFA-4586-6296-8884-7EA8752A4E92}"/>
-              </a:ext>
-            </a:extLst>
-          </p:cNvPr>
-          <p:cNvSpPr>
-            <a:spLocks noGrp="1"/>
-          </p:cNvSpPr>
-          <p:nvPr>
-            <p:ph idx="1"/>
-          </p:nvPr>
-        </p:nvSpPr>
-        <p:spPr/>
-        <p:txBody>
-          <a:bodyPr/>
-          <a:lstStyle/>
-          <a:p>
-            <a:endParaRPr lang="es-ES"/>
-          </a:p>
-        </p:txBody>
-      </p:sp>
+        <p:spPr>
+          <a:xfrm>
+            <a:off x="0" y="351395"/>
+            <a:ext cx="12192000" cy="640515"/>
+          </a:xfrm>
+          <a:prstGeom prst="rect">
+            <a:avLst/>
+          </a:prstGeom>
+          <a:solidFill>
+            <a:srgbClr val="494748">
+              <a:alpha val="4706"/>
+            </a:srgbClr>
+          </a:solidFill>
+          <a:ln>
+            <a:noFill/>
+          </a:ln>
+        </p:spPr>
+        <p:style>
+          <a:lnRef idx="2">
+            <a:schemeClr val="accent1">
+              <a:shade val="50000"/>
+            </a:schemeClr>
+          </a:lnRef>
+          <a:fillRef idx="1">
+            <a:schemeClr val="accent1"/>
+          </a:fillRef>
+          <a:effectRef idx="0">
+            <a:schemeClr val="accent1"/>
+          </a:effectRef>
+          <a:fontRef idx="minor">
+            <a:schemeClr val="lt1"/>
+          </a:fontRef>
+        </p:style>
+        <p:txBody>
+          <a:bodyPr rot="0" spcFirstLastPara="0" vert="horz" wrap="square" lIns="1332000" tIns="180000" rIns="216000" bIns="180000" numCol="1" spcCol="0" rtlCol="0" fromWordArt="0" anchor="ctr" anchorCtr="0" forceAA="0" compatLnSpc="1">
+            <a:prstTxWarp prst="textNoShape">
+              <a:avLst/>
+            </a:prstTxWarp>
+            <a:spAutoFit/>
+          </a:bodyPr>
+          <a:lstStyle/>
+          <a:p>
+            <a:pPr algn="l" rtl="0">
+              <a:spcAft>
+                <a:spcPts val="0"/>
+              </a:spcAft>
+            </a:pPr>
+            <a:r>
+              <a:rPr lang="en-GB" sz="1800" dirty="0">
+                <a:solidFill>
+                  <a:srgbClr val="000000"/>
+                </a:solidFill>
+                <a:effectLst/>
+                <a:latin typeface="Segoe UI Light" panose="020B0502040204020203" pitchFamily="34" charset="0"/>
+                <a:ea typeface="Calibri" panose="020F0502020204030204" pitchFamily="34" charset="0"/>
+                <a:cs typeface="Segoe UI Light" panose="020B0502040204020203" pitchFamily="34" charset="0"/>
+              </a:rPr>
+              <a:t>Microsoft Power BI</a:t>
+            </a:r>
+            <a:endParaRPr lang="en-IE" sz="1200" dirty="0">
+              <a:effectLst/>
+              <a:latin typeface="Segoe UI Light" panose="020B0502040204020203" pitchFamily="34" charset="0"/>
+              <a:ea typeface="Calibri" panose="020F0502020204030204" pitchFamily="34" charset="0"/>
+              <a:cs typeface="Segoe UI Light" panose="020B0502040204020203" pitchFamily="34" charset="0"/>
+            </a:endParaRPr>
+          </a:p>
+        </p:txBody>
+      </p:sp>
+      <p:pic>
+        <p:nvPicPr>
+          <p:cNvPr id="7" name="Add-in_Icon" descr="Icono de Microsoft Power BI.">
+            <a:extLst>
+              <a:ext uri="{FF2B5EF4-FFF2-40B4-BE49-F238E27FC236}">
+                <a16:creationId xmlns:a16="http://schemas.microsoft.com/office/drawing/2014/main" id="{87D43E1C-7B4D-44A2-8E6D-6786349BFB58}"/>
+              </a:ext>
+            </a:extLst>
+          </p:cNvPr>
+          <p:cNvPicPr/>
+          <p:nvPr/>
+        </p:nvPicPr>
+        <p:blipFill>
+          <a:blip r:embed="rId2"/>
+          <a:stretch>
+            <a:fillRect/>
+          </a:stretch>
+        </p:blipFill>
+        <p:spPr bwMode="auto">
+          <a:xfrm>
+            <a:off x="914400" y="530365"/>
+            <a:ext cx="291465" cy="291465"/>
+          </a:xfrm>
+          <a:prstGeom prst="rect">
+            <a:avLst/>
+          </a:prstGeom>
+          <a:noFill/>
+        </p:spPr>
+      </p:pic>
       <mc:AlternateContent xmlns:mc="http://schemas.openxmlformats.org/markup-compatibility/2006">
         <mc:Choice xmlns:we="http://schemas.microsoft.com/office/webextensions/webextension/2010/11" xmlns:pca="http://schemas.microsoft.com/office/powerpoint/2013/contentapp" Requires="we pca">
           <p:graphicFrame>
             <p:nvGraphicFramePr>
-              <p:cNvPr id="4" name="Add-in" descr="Contenido de complemento para Microsoft Power BI.">
-                <a:extLst>
-                  <a:ext uri="{FF2B5EF4-FFF2-40B4-BE49-F238E27FC236}">
-                    <a16:creationId xmlns:a16="http://schemas.microsoft.com/office/drawing/2014/main" id="{BC2C2AE7-D92B-36F9-F82A-512BFE240B33}"/>
-                  </a:ext>
-                </a:extLst>
-              </p:cNvPr>
+              <p:cNvPr id="2" name="Add-in" descr="Contenido de complemento para Microsoft Power BI."/>
               <p:cNvGraphicFramePr>
                 <a:graphicFrameLocks noGrp="1"/>
               </p:cNvGraphicFramePr>
@@ -3534,7 +3648,7 @@
             </p:xfrm>
             <a:graphic>
               <a:graphicData uri="http://schemas.microsoft.com/office/webextensions/webextension/2010/11">
-                <we:webextensionref xmlns:we="http://schemas.microsoft.com/office/webextensions/webextension/2010/11" xmlns:r="http://schemas.openxmlformats.org/officeDocument/2006/relationships" r:id="rId2"/>
+                <we:webextensionref xmlns:we="http://schemas.microsoft.com/office/webextensions/webextension/2010/11" xmlns:r="http://schemas.openxmlformats.org/officeDocument/2006/relationships" r:id="rId3"/>
               </a:graphicData>
             </a:graphic>
           </p:graphicFrame>
@@ -3542,20 +3656,14 @@
         <mc:Fallback>
           <p:pic>
             <p:nvPicPr>
-              <p:cNvPr id="4" name="Add-in" descr="Contenido de complemento para Microsoft Power BI.">
-                <a:extLst>
-                  <a:ext uri="{FF2B5EF4-FFF2-40B4-BE49-F238E27FC236}">
-                    <a16:creationId xmlns:a16="http://schemas.microsoft.com/office/drawing/2014/main" id="{BC2C2AE7-D92B-36F9-F82A-512BFE240B33}"/>
-                  </a:ext>
-                </a:extLst>
-              </p:cNvPr>
+              <p:cNvPr id="2" name="Add-in" descr="Contenido de complemento para Microsoft Power BI."/>
               <p:cNvPicPr>
                 <a:picLocks noGrp="1" noRot="1" noChangeAspect="1" noMove="1" noResize="1" noEditPoints="1" noAdjustHandles="1" noChangeArrowheads="1" noChangeShapeType="1"/>
               </p:cNvPicPr>
               <p:nvPr/>
             </p:nvPicPr>
             <p:blipFill>
-              <a:blip r:embed="rId3"/>
+              <a:blip r:embed="rId4"/>
               <a:stretch>
                 <a:fillRect/>
               </a:stretch>
@@ -3575,7 +3683,198 @@
     </p:spTree>
     <p:extLst>
       <p:ext uri="{BB962C8B-B14F-4D97-AF65-F5344CB8AC3E}">
-        <p14:creationId xmlns:p14="http://schemas.microsoft.com/office/powerpoint/2010/main" val="2734896696"/>
+        <p14:creationId xmlns:p14="http://schemas.microsoft.com/office/powerpoint/2010/main" val="850759162"/>
+      </p:ext>
+    </p:extLst>
+  </p:cSld>
+  <p:clrMapOvr>
+    <a:masterClrMapping/>
+  </p:clrMapOvr>
+</p:sld>
+</file>
+
+<file path=ppt/slides/slide3.xml><?xml version="1.0" encoding="utf-8"?>
+<p:sld xmlns:a="http://schemas.openxmlformats.org/drawingml/2006/main" xmlns:r="http://schemas.openxmlformats.org/officeDocument/2006/relationships" xmlns:p="http://schemas.openxmlformats.org/presentationml/2006/main">
+  <p:cSld>
+    <p:spTree>
+      <p:nvGrpSpPr>
+        <p:cNvPr id="1" name=""/>
+        <p:cNvGrpSpPr/>
+        <p:nvPr/>
+      </p:nvGrpSpPr>
+      <p:grpSpPr>
+        <a:xfrm>
+          <a:off x="0" y="0"/>
+          <a:ext cx="0" cy="0"/>
+          <a:chOff x="0" y="0"/>
+          <a:chExt cx="0" cy="0"/>
+        </a:xfrm>
+      </p:grpSpPr>
+      <p:sp>
+        <p:nvSpPr>
+          <p:cNvPr id="6" name="Add-in_Banner">
+            <a:extLst>
+              <a:ext uri="{FF2B5EF4-FFF2-40B4-BE49-F238E27FC236}">
+                <a16:creationId xmlns:a16="http://schemas.microsoft.com/office/drawing/2014/main" id="{3469E413-BCF5-4E2F-BE4B-EB617C589FA5}"/>
+              </a:ext>
+            </a:extLst>
+          </p:cNvPr>
+          <p:cNvSpPr txBox="1">
+            <a:spLocks noGrp="1"/>
+          </p:cNvSpPr>
+          <p:nvPr>
+            <p:ph type="title"/>
+          </p:nvPr>
+        </p:nvSpPr>
+        <p:spPr>
+          <a:xfrm>
+            <a:off x="0" y="351395"/>
+            <a:ext cx="12192000" cy="640515"/>
+          </a:xfrm>
+          <a:prstGeom prst="rect">
+            <a:avLst/>
+          </a:prstGeom>
+          <a:solidFill>
+            <a:srgbClr val="494748">
+              <a:alpha val="4706"/>
+            </a:srgbClr>
+          </a:solidFill>
+          <a:ln>
+            <a:noFill/>
+          </a:ln>
+        </p:spPr>
+        <p:style>
+          <a:lnRef idx="2">
+            <a:schemeClr val="accent1">
+              <a:shade val="50000"/>
+            </a:schemeClr>
+          </a:lnRef>
+          <a:fillRef idx="1">
+            <a:schemeClr val="accent1"/>
+          </a:fillRef>
+          <a:effectRef idx="0">
+            <a:schemeClr val="accent1"/>
+          </a:effectRef>
+          <a:fontRef idx="minor">
+            <a:schemeClr val="lt1"/>
+          </a:fontRef>
+        </p:style>
+        <p:txBody>
+          <a:bodyPr rot="0" spcFirstLastPara="0" vert="horz" wrap="square" lIns="1332000" tIns="180000" rIns="216000" bIns="180000" numCol="1" spcCol="0" rtlCol="0" fromWordArt="0" anchor="ctr" anchorCtr="0" forceAA="0" compatLnSpc="1">
+            <a:prstTxWarp prst="textNoShape">
+              <a:avLst/>
+            </a:prstTxWarp>
+            <a:spAutoFit/>
+          </a:bodyPr>
+          <a:lstStyle/>
+          <a:p>
+            <a:pPr algn="l" rtl="0">
+              <a:spcAft>
+                <a:spcPts val="0"/>
+              </a:spcAft>
+            </a:pPr>
+            <a:r>
+              <a:rPr lang="en-GB" sz="1800" dirty="0">
+                <a:solidFill>
+                  <a:srgbClr val="000000"/>
+                </a:solidFill>
+                <a:effectLst/>
+                <a:latin typeface="Segoe UI Light" panose="020B0502040204020203" pitchFamily="34" charset="0"/>
+                <a:ea typeface="Calibri" panose="020F0502020204030204" pitchFamily="34" charset="0"/>
+                <a:cs typeface="Segoe UI Light" panose="020B0502040204020203" pitchFamily="34" charset="0"/>
+              </a:rPr>
+              <a:t>Microsoft Power BI</a:t>
+            </a:r>
+            <a:endParaRPr lang="en-IE" sz="1200" dirty="0">
+              <a:effectLst/>
+              <a:latin typeface="Segoe UI Light" panose="020B0502040204020203" pitchFamily="34" charset="0"/>
+              <a:ea typeface="Calibri" panose="020F0502020204030204" pitchFamily="34" charset="0"/>
+              <a:cs typeface="Segoe UI Light" panose="020B0502040204020203" pitchFamily="34" charset="0"/>
+            </a:endParaRPr>
+          </a:p>
+        </p:txBody>
+      </p:sp>
+      <p:pic>
+        <p:nvPicPr>
+          <p:cNvPr id="7" name="Add-in_Icon" descr="Icono de Microsoft Power BI.">
+            <a:extLst>
+              <a:ext uri="{FF2B5EF4-FFF2-40B4-BE49-F238E27FC236}">
+                <a16:creationId xmlns:a16="http://schemas.microsoft.com/office/drawing/2014/main" id="{87D43E1C-7B4D-44A2-8E6D-6786349BFB58}"/>
+              </a:ext>
+            </a:extLst>
+          </p:cNvPr>
+          <p:cNvPicPr/>
+          <p:nvPr/>
+        </p:nvPicPr>
+        <p:blipFill>
+          <a:blip r:embed="rId2"/>
+          <a:stretch>
+            <a:fillRect/>
+          </a:stretch>
+        </p:blipFill>
+        <p:spPr bwMode="auto">
+          <a:xfrm>
+            <a:off x="914400" y="530365"/>
+            <a:ext cx="291465" cy="291465"/>
+          </a:xfrm>
+          <a:prstGeom prst="rect">
+            <a:avLst/>
+          </a:prstGeom>
+          <a:noFill/>
+        </p:spPr>
+      </p:pic>
+      <mc:AlternateContent xmlns:mc="http://schemas.openxmlformats.org/markup-compatibility/2006">
+        <mc:Choice xmlns:we="http://schemas.microsoft.com/office/webextensions/webextension/2010/11" xmlns:pca="http://schemas.microsoft.com/office/powerpoint/2013/contentapp" Requires="we pca">
+          <p:graphicFrame>
+            <p:nvGraphicFramePr>
+              <p:cNvPr id="2" name="Add-in" descr="Contenido de complemento para Microsoft Power BI."/>
+              <p:cNvGraphicFramePr>
+                <a:graphicFrameLocks noGrp="1"/>
+              </p:cNvGraphicFramePr>
+              <p:nvPr/>
+            </p:nvGraphicFramePr>
+            <p:xfrm>
+              <a:off x="721012" y="1170879"/>
+              <a:ext cx="10749976" cy="5335725"/>
+            </p:xfrm>
+            <a:graphic>
+              <a:graphicData uri="http://schemas.microsoft.com/office/webextensions/webextension/2010/11">
+                <we:webextensionref xmlns:we="http://schemas.microsoft.com/office/webextensions/webextension/2010/11" xmlns:r="http://schemas.openxmlformats.org/officeDocument/2006/relationships" r:id="rId3"/>
+              </a:graphicData>
+            </a:graphic>
+          </p:graphicFrame>
+        </mc:Choice>
+        <mc:Fallback>
+          <p:pic>
+            <p:nvPicPr>
+              <p:cNvPr id="2" name="Add-in" descr="Contenido de complemento para Microsoft Power BI."/>
+              <p:cNvPicPr>
+                <a:picLocks noGrp="1" noRot="1" noChangeAspect="1" noMove="1" noResize="1" noEditPoints="1" noAdjustHandles="1" noChangeArrowheads="1" noChangeShapeType="1"/>
+              </p:cNvPicPr>
+              <p:nvPr/>
+            </p:nvPicPr>
+            <p:blipFill>
+              <a:blip r:embed="rId4"/>
+              <a:stretch>
+                <a:fillRect/>
+              </a:stretch>
+            </p:blipFill>
+            <p:spPr>
+              <a:xfrm>
+                <a:off x="721012" y="1170879"/>
+                <a:ext cx="10749976" cy="5335725"/>
+              </a:xfrm>
+              <a:prstGeom prst="rect">
+                <a:avLst/>
+              </a:prstGeom>
+            </p:spPr>
+          </p:pic>
+        </mc:Fallback>
+      </mc:AlternateContent>
+    </p:spTree>
+    <p:extLst>
+      <p:ext uri="{BB962C8B-B14F-4D97-AF65-F5344CB8AC3E}">
+        <p14:creationId xmlns:p14="http://schemas.microsoft.com/office/powerpoint/2010/main" val="982349291"/>
       </p:ext>
     </p:extLst>
   </p:cSld>
@@ -3881,21 +4180,21 @@
 </file>
 
 <file path=ppt/webextensions/webextension1.xml><?xml version="1.0" encoding="utf-8"?>
-<we:webextension xmlns:we="http://schemas.microsoft.com/office/webextensions/webextension/2010/11" id="{AA05A3AE-9FEA-4422-B482-8E65F536B798}">
+<we:webextension xmlns:we="http://schemas.microsoft.com/office/webextensions/webextension/2010/11" id="{4a3359f8-4921-448b-9def-ec6cfab63731}">
   <we:reference id="WA200003233" version="2.0.0.3" store="es-ES" storeType="OMEX"/>
   <we:alternateReferences/>
   <we:properties>
     <we:property name="Microsoft.Office.CampaignId" value="&quot;none&quot;"/>
     <we:property name="creatorTenantId" value="&quot;18e27f59-6146-4e97-956d-0813c1477471&quot;"/>
-    <we:property name="reportUrl" value="&quot;/groups/me/reports/7da66fbb-1246-49af-8c55-c59b2f4cb609/ReportSection0fc18f900d0e063bd788?bookmarkGuid=0fc5e6e6-cfc3-48de-8618-0156b6e2a414&amp;bookmarkUsage=1&amp;ctid=18e27f59-6146-4e97-956d-0813c1477471&amp;fromEntryPoint=export&quot;"/>
+    <we:property name="reportUrl" value="&quot;/groups/me/reports/7da66fbb-1246-49af-8c55-c59b2f4cb609/ReportSection0fc18f900d0e063bd788?bookmarkGuid=7a3e4439-49dc-494d-93ab-09e0eeed0f4d&amp;bookmarkUsage=1&amp;ctid=18e27f59-6146-4e97-956d-0813c1477471&amp;fromEntryPoint=export&quot;"/>
     <we:property name="reportState" value="&quot;CONNECTED&quot;"/>
-    <we:property name="reportEmbeddedTime" value="&quot;2022-12-12T11:44:35.676Z&quot;"/>
-    <we:property name="creatorSessionId" value="&quot;84cc94ea-181f-4dfb-9a39-d675860d2203&quot;"/>
+    <we:property name="reportEmbeddedTime" value="&quot;2022-12-12T14:24:21.043Z&quot;"/>
+    <we:property name="creatorSessionId" value="&quot;7576cc15-546e-4ad9-ae15-d7eca9921ac4&quot;"/>
     <we:property name="creatorUserId" value="&quot;10032000D2306FAF&quot;"/>
     <we:property name="reportName" value="&quot;Dashboard&quot;"/>
     <we:property name="isFiltersActionButtonVisible" value="true"/>
     <we:property name="initialStateBookmark" value="&quot;H4sIAAAAAAAAA+1a227bOBD9lUAvfTEW1J3KW5ImQNFNGiSL7kMRBENyZLMriwJF57KBv6qfsD+2FCW38S1utk2spPtmkqPhzHDmnCHhO0/Iuirg9gTG6O16x6A5CKV3fG/gle3c/ocP74/3zt5fnuwdH9ppVRmpytrbvfMM6CGaj7KeQNFosJOfLgYeFMUpDJtRDkWNA69CXasSCvk3tsJ2yegJTgce3lSF0tCoPDdgsFF7ZcXt2O7t/xbaHYEbeYXnyE07e4aV0qYbk5z7NM8IEQRJEjKRUmq/qdtVZ+Zm+WZTZ9iBKg3I0hrQzCVpwnyKPMswCDgJkih1srksTCfCbg9vKm39ttG4rZp47YkrKDkKzzmnsW59ufP2hkONQzDd8HBu8UAVk/GK+XM10RzPMHdLpZHm1u5hNOSSqx3gXAosjY311AbzVCsbaidRgHFTR5OyC5vfDEfq+kCjjbPwdsl00DejVTl8jNUHdmqotORQLBn+s20rJ+NLuwMK2Sx7/Q+mrWyjpVELAQ37bznWxoLQ5RgNKq2Kf74MrfzLcyNHPoKXZ3aBtbySAsTLM71StbRUoS6h4GqkigUPSP89MLJSlx1dLlgfLFt/YWdqWQ6Ljla/8dgfrVNjqBrGZp8t9zV0NZ2Rqd3y8z2G7ID01vHYkyPnxbSRwMD3SZozkXEWQ5iwjG4m1+dE/DkAfWTg60Jy1HOx98Zou6XmhwADzqmq3Uxiu66EW0bn8533u7RxaHV/hGLSqH3z1n4h1HX5xnMxlPW70nZL1qpzLNrzPN6spWm9mu/dSazJCCdbP0k+3ItrmwmUCd8HHod+QAkjJMyQNTofjLDBG8PUzXx6N9oaHVGWpRjGYdb0eMwnvcqrb7zQk6TaR3ON2OZUlxNKC9T7LR68lXrWevuDZ+LM6cXz5+Vs7zYpfUo4sDCiJIioiMOUZcn6NOruSkduMQhTClEUCCA0FJxAzIg9tS2kmoZyqC5xRuY9ybc5ENsSCM1Fpj3xGEQUkzyOKGIUEIZZshk4+tE2rLic/FjjwEGLxc5hDSYEi5jQK8/b7EqjMBcxJpwmHDlPqaDie4tZUCIAREaREQYJ49HaYm7VucydPWHY6BxpNXZ6u0cWYyUf8nDgtYdAGhD8c4QauwoohZwF9USZ5Ri+W4jrIyqnHTjjVnWkX63zHDJ/rctPqwt8Uv5VdvV9cdHV+FND3ZKdfW/1f37NFpPangWK1tKDEWjzSmp4G9eW5cR3LMETzCIeRjGPYkGoH0V8GUraSr/rIIRkiDSFJE5AIPND21D4zeoczqwU2krTsOGly73IrUPLhPikodA4ZhBywkLC+K+EluuernoKmutf2v5vFTefqcMDlqW5nwPzM+5zEgRhBGmvrps13qw60hdFh/F/SMlK4iuhwHhbFNilTkd8nISQxYwCJQRJSNKHrkdzrJBHQgCLIIsymmXEzxgNfiVWcK3EFY4knxTfyQbnstzBukIurWugHSsMesQciy69aHj5oW57H/QrwZntttr368Ml8XR1N6Empq6A4ymUuKKrsN5BKVBs6CzcPxPaR3R7rJIVj3o0n07/BVzMz6Y6IQAA&quot;"/>
-    <we:property name="bookmark" value="&quot;H4sIAAAAAAAAA+1azW7bOBB+lUKXXowFqV8qtyZtgALbImgW3UMRBENyZLORRYGi87OBn2ofYV9sKUpOY8eOm20TK+neTHI0nBnOfN+Q8HUgVVOXcPURphjsBR/ACJDavKLBKKi6uX2tz6ZgzjhJUVBZ0ITKMIp4IjB0Urq2SldNsHcdWDBjtJ9VM4OyVegmv5yMAijLIxi3owLKBkdBjabRFZTqL+yE3ZI1M5yPArysS22gVXlswWKr9tyJu7Ezhf4WuR1BWHWOxyhsN/sJa21sPyaFoKzICZEESRpxmTHmvmm6VW/mdvl2U2/Yga4sqMoZ0M6lWcopQ5HnGIaChGmcedlClbYX4VfvLmvj/HbRuKrb8L2R51AJlIF3zmDT+XIdvBmPDY7B9sN3S4sHupxN18wf65kR+AkLv1RZZa/cHtZAoYR+BUIoiZV1sZ67YB4Z7ULtJUqwfupwVvVho+1woi8ODLo4y2CPzEdDM1pX44dYfeCmxtooAeUdw3+2bdVseup2QKna5WD4wXSFbo2yeiWg0fAtx8Y6TDqdokVtdPnP32Mn//zcKFBM4PmZXWKjzpUE+fxMr3WjHFXoUyiFnuhyxQMyfA+sqvVpT5cr1od3rT9xM42qxmVPq9947I/OqSnULWPzr477WrqaL8jUbfn1FkP2QHrleezRkfNk3kpgSCnJCi5zwROIUp6z7eT6lIi/BKAPDHxTKoFmKfbBFF231P6QYME7VXebKezWtfTL6H2+Dn5XLg6d7s9Qzlq1r9+6L6S+qF4HPoaqeV+5bslZdYxld54ftmtpW6/2e38SGzLCyzaPkg+34tplAuOSUhBJRENGOCFRjrzVeW+ELV5ari+X07vV1uqI8zzDKInytsfjlAwqr77xwkCSah/tBWKXU31OaCPR7Hd48FaZRetNR0/EmfOTp8/Lxd5dUlJGBPAoZiSMmUyijOfp5jTqr06HfjGMMgZxHEogLJKCQMKJO7UdpJqBaqxPcUHmA8m3JRDbEQgtRaY78QRknJAiiRliHBKOebodOIbRNqy5nPxY4yDAyNXOYQMmhKuYMCjPu+zK4qiQCaaCpQKFyJhk8nuLWTIiAWTOkBMOKRfxxmLu1PnMXTxhuOgcGj31evs3F+sk7/NwFHSHQFoQ/HOCBvsKqKRaBPWjtndj+H4lrg+onG7gjVvXkd5YF3hkvqnLL+sLfFadVX19n5z0Nf7YUHfHzqG3+j+/ZstZ484CZWfpwQSMfSE1vItry93E9ywhUsxjEcWJiBNJGI1jcRdKukq/7iGE5IgsgzRJQSKnkWsoaLu6hDNrhXbSNGx56fIvcpvQMiWUtBSaJBwiQXhEuPiV0HLT09VAQXPzS9v/reL2M/V4wPOsoAVwmgsqSBhGMWSDum42eLnuSJ8VHSb/ISVrhS+EApNdUWCfOj3xCRJBnnAGjBAkEcnuux4tsUIRSwk8hjzOWZ4TmnMW/kqs4FuJc5woMSu/kw2OVfUKmxqFcq6B8awwGhBzrLr0rOHlh7rtfTAvBGd222rfrg+fxPP13YSe2aYGgUdQ4ZquwnkHlUS5pbPw/0y4aSrm838B0eZ4BhkhAAA=&quot;"/>
+    <we:property name="bookmark" value="&quot;H4sIAAAAAAAAA+1azW7bOBB+lUKXXowF9U/m1qQNUGBbBM2ieyiCYEiObDayKFB0fjbwU+0j7IstRclp7Nhxs21iJd2bSY6GM8OZ7xsSvg6kauoSrj7CFIO94AMYAVKbV2EwCqpubl/rsymYM4YRIMYyEUVOGGciLLiT0rVVumqCvevAghmj/ayaGZStQjf55WQUQFkewbgdFVA2OApqNI2uoFR/YSfslqyZ4XwU4GVdagOtymMLFlu1507cjZ0p4W+x2xGEVed4jMJ2s5+w1sb2Y1KIkBaMEEmQZDGXOaXum6Zb9WZul2839YYd6MqCqpwB7VyWZzykKJgLRSRIlCW5ly1UaXsRfvXusjbObxeNq7oN3xt5DpVAGXjnDDadL9fBm/HY4BhsP3y3tHigy9l0zfyxnhmBn7DwS5VV9srtYQ0USuhXIISSWFkX67kL5pHRLtReogTrpw5nVR+2sB1O9MWBQRdnGeyR+WhoRutq/BCrD9zUWBsloLxj+M+2rZpNT90OKFW7HAw/mK7QrVFWrwQ0Hr7l2FiHSadTtKiNLv/5e+zkn58bBYoJPD+zS2zUuZIgn5/ptW6Uowp9CqXQE12ueECG74FVtT7t6XLF+uiu9SduplHVuOxp9RuP/dE5NYW6ZWz+1XFfS1fzBZm6Lb/eYsgeSK88jz06cp7MWwmMwpDkBZdM8BTijDO6nVyfEvGXAPSBgW9KJdAsxT6YouuW2h8SLHin6m4zhd26ln4Zvc/Xwe/KxaHT/RnKWav29Vv3hdQX1evAx1A17yvXLTmrjrHszvPDdi1t69V+709iQ0Z42eZR8uFWXLtMoFyGIYg0DiNKOCExQ97qvDfCFi8t15fL6d1qa3UkjOUYpzFrezwekkHl1TdeGEhS7aO9QOxyqs8JbSSa/Q4P3iqzaL3D0RNx5vzk6fNysXeXlCElAnicUBIlVKZxzlm2OY36q9OhX4zinEKSRBIIjaUgkHLiTm0HqWagGutTXJD5QPJtCcR2BEJLkelOPAWZpKRIE4qYRIQjy7YDxzDahjWXkx9rHAQYudo5bMCEaBUTBuV5l115EhcyxUzQTKAQOZVUfm8xS0okgGQUOeGQcZFsLOZOnc/cxROGi86h0VOvt39zsU7yPg9HQXcIpAXBPydosK+ASqpFUD9qezeG71fi+oDK6QbeuHUd6Y11gUfmm7r8sr7AZ9VZ1df3yUlf448NdXfsHHqr//Nrtpw17ixQdpYeTMDYF1LDu7i23E18zxIiQ5aIOElFkkpCwyQRd6Gkq/TrHkIIQ6Q5ZGkGEnkYu4YibFeXcGat0E6ahi0vXf5FbhNaZiQkLYWmKYdYEB4TLn4ltNz0dDVQ0Nz80vZ/q7j9TD0ecJYXYQE8ZCIUJIriBPJBXTcbvFx3pM+KDtP/kJK1whdCgemuKLBPnZ74BImBpZwCJQRJTPL7rkdLrFAkUgJPgCWMMkZCxmn0K7GCbyXOcaLErPxONjhW1StsahTKuQbGs8JoQMyx6tKzhpcf6rb3wbwQnNltq327PnwSz9d3E3pmmxoEHkGFa7oK5x1UEuWWzsL/M+GmqZjP/wU4FeUfGSEAAA==&quot;"/>
     <we:property name="embedUrl" value="&quot;/reportEmbed?reportId=7da66fbb-1246-49af-8c55-c59b2f4cb609&amp;config=eyJjbHVzdGVyVXJsIjoiaHR0cHM6Ly9XQUJJLU5PUlRILUVVUk9QRS1yZWRpcmVjdC5hbmFseXNpcy53aW5kb3dzLm5ldCIsImVtYmVkRmVhdHVyZXMiOnsibW9kZXJuRW1iZWQiOnRydWUsInVzYWdlTWV0cmljc1ZOZXh0Ijp0cnVlfX0%3D&amp;disableSensitivityBanner=true&quot;"/>
     <we:property name="datasetId" value="&quot;df1fc4da-0fca-47ee-94c5-662d76b6f77e&quot;"/>
     <we:property name="pageName" value="&quot;ReportSection0fc18f900d0e063bd788&quot;"/>
@@ -3908,27 +4207,53 @@
 </file>
 
 <file path=ppt/webextensions/webextension2.xml><?xml version="1.0" encoding="utf-8"?>
-<we:webextension xmlns:we="http://schemas.microsoft.com/office/webextensions/webextension/2010/11" id="{B4D5808B-0779-4D72-AC3A-406BAB584EC0}">
+<we:webextension xmlns:we="http://schemas.microsoft.com/office/webextensions/webextension/2010/11" id="{053975c1-5a31-4e2d-9d6c-9f604ca991ab}">
   <we:reference id="WA200003233" version="2.0.0.3" store="es-ES" storeType="OMEX"/>
   <we:alternateReferences/>
   <we:properties>
     <we:property name="Microsoft.Office.CampaignId" value="&quot;none&quot;"/>
+    <we:property name="creatorTenantId" value="&quot;18e27f59-6146-4e97-956d-0813c1477471&quot;"/>
+    <we:property name="reportUrl" value="&quot;/groups/me/reports/7da66fbb-1246-49af-8c55-c59b2f4cb609/ReportSection5bce9e5025c60b17d223?bookmarkGuid=013dcb70-5628-45d9-a825-7bcf6ae01759&amp;bookmarkUsage=1&amp;ctid=18e27f59-6146-4e97-956d-0813c1477471&amp;fromEntryPoint=export&quot;"/>
+    <we:property name="reportState" value="&quot;CONNECTED&quot;"/>
+    <we:property name="reportEmbeddedTime" value="&quot;2022-12-12T14:28:50.560Z&quot;"/>
+    <we:property name="creatorSessionId" value="&quot;a4f5ad5a-ad21-440a-86a4-3d1cafb373fe&quot;"/>
+    <we:property name="creatorUserId" value="&quot;10032000D2306FAF&quot;"/>
+    <we:property name="reportName" value="&quot;Dashboard&quot;"/>
+    <we:property name="isFiltersActionButtonVisible" value="true"/>
+    <we:property name="initialStateBookmark" value="&quot;H4sIAAAAAAAAA+1a3U4bORR+FTQ3vYlWtmc8P9wBBanq0iJYdS8qhI7tk8TdyXjkcSgsylPtI+yLrccztE1ISNlty0D3Dv+Mfc7n75zz2eEmUrqpS7h+AzOMdqNjsBKUsTs0GkVV17f/9u3r473T1xdv9o4PfbepnTZVE+3eRA7sBN073cyhbFfwne/PRxGU5QlM2tYYygZHUY22MRWU+k/sJvshZ+e4GEV4VZfGQrvkmQOH7bKXfrpv+73pL7HfEaTTl3iG0nW9p1gb6/o2FxIL5IRxmRJBM8VY+03TjQYzt89vNw2GHZjKga68AW1fnkkCY+CYQk6FzGURZ23/WJeunyKuD69q6/32aFzXLV576hIqiSoKzllsOl9uor3JxOIEXN88XBo8MOV8tqb/zMytxFMch6HKaXft93AWxlqaHZBSK6ycx3rhwTyxxkMdZpTgQtfRvOpho21zaj4eWPQ4q2iXLEZDM9pUk4dYfeC7JsZqCeUdw7+1bdV8duF3QKXb4Wj4YPrIdlY7swJoPHzLsXE+CV3M0KGxpvz7r4mf//TcGKOcwtMzu8RGX2oF6umZXptG+1JhLqCUZmrKFQ/I8D1wujYXfblcsZ4N3/qpr+TbWXPuexpdTcpeDHyuvr91zsygbnWG+OArdltkF7cSwG/14Yu63qf/61B9v3u+P1+0MwpWAGaKx3kmUsnymCLbKgl+ZJ1aSvsPBL4ptUS7hH00Q6/x2j8UOAhO1d1mGrtxo8IwBp9vol+1x6Fb+x2U83bZFy/9F8p8rF5EAUPdvKq8xvNWnWHZnefx9lVawdh+H05iAyPC3Oa78OELXDsmZHGaFIkkhIkUCUkooYEJ9yLs8MoJc7VM73a1WBJMBaZJmuUkSZgQaTooXn2uZgMh1T66j4gdp3pOGKvQ7nf54KW2txcGOvpBlX5x/uN5ebt3R0oF44QmY8FRsjjllFHFN9Oov+EdhUEWZzl45ikgeaz8xYcL4k/tEahmoZqYC7yVIAPh21ISe6QktIRMd+JpxkWsigRQsYQCoUVWPJE76por1b1yZ+vRS7BqVTlsyAlsNScMyvOOXZzQ2Ae0xJRSphJB4gy/NphVThSAKnIUREAqZLIxmLvlAnNvH148OkfWzMK6/dOQ8zPv83AUdYdA2iT4+xQt9hFQKX0L6hvj7mL4agXXB0RO1wjGrdPRn6yLQmb+FJfv1wf4vPqj6uP7/LyP8e+d6u7YOXSJ/+1jtpw3/ixQdZYeTMG6ZxLDj3FtuUv8UCXGeYE55yQBJXhMgSl2N5V0kX7TpxBSIOYZpDwFhYLGLMlpO7qUZ9ZOehTRsOV9LrwjbsqWKaGEjHnCuQAvxEVMhPyZsuWmB7eBJs3N74P/S8XtZxryAaU5zfMiLVIJAjEFHsOgrpsNXq070idVDvm/oGSt8ZmUQP5YJbCnTv9KI6lijBAkDEXMBVecfqWGHidKgUigSIq8KPzFSuTsZ6oKQUpc4lTLefmV1eBMVzvY1Ci1dw1sqAqjAVWOVZeedHr5T2p7H+wzyTOPK7W/jI/uBwKvrmOWERYzkiPJ85gHvXDvsUAweX/unDdp5W04rLpOoJi5a2qQeAIVrhEqHjCoVMuLe8VK+BeN7l3em6RF+aB3+MXiHwJ11q5DIgAA&quot;"/>
+    <we:property name="bookmark" value="&quot;H4sIAAAAAAAAA+1a227bOBD9lUAvfTEWJCXqkrcmbYAC26JoFt2HIgiG5NhmI4sCReeygb9qP6E/thSlpLFjx8lu28jtvoXkiJzLmZlDOteR0k1dwtU7mGG0H70FK0EZu0ejUVR1cwfGnM3AnolcjTljAmmieJIlBYmZlzK106Zqov3ryIGdoPuomzmU7YZ+8tPJKIKyfA+TdjSGssFRVKNtTAWl/gs7Yb/k7BwXowgv69JYaLc8duCw3fbci/uxV4X+FvsTQTp9jscoXTf7AWtjXT/mQmKBnDAuUyJophhrv2m61aDmdvn20KDYoakc6Mor0M7lmSQwBo4p5FTIXBZx1s6Pdel6EXH1+rK23m7vjau6dd9LdQ6VRBUF4yw2nS3X0cvJxOIEXD98vbR4aMr5bM38sZlbiR9wHJYqp92VP8NZGGtp9kBKrbBy3tcL78z31nhXB4kSXJg6mle922g7nJqLQ4vezyraJ4vR0JQ21eQpWh/6qYmxWkJ5T/FvrVs1n536E1DpdjkavjN9ojurnVlxaDx8zbFxviadztChsab88vfEy++eGWOUU9g9tUts9LlWoHZP9do02rcKcwqlNFNTrlhAhm+B07U57dvlivZs+NpPfSffjpoTP9PoalL2ZOBr9/2jM2YGdcszxGffsdsmu7ihAP6oz3f6el/+r0L3/e71/mTRShSsAMwUj/NMpJLlMUW2lRL8yD61VPaf6Pim1BLtku+jGXqO1/6hwEEwqu4O09itGxWWMdh8Hf2uvR+6vT9COW+3ffHKf6HMRfUiCj7UzZvKczyv1TGWXTzfbt+lJYzt9yESGxARZJvvgoc7fu2QkMVpUiSSECZSJCShhAYkPOhhh5dOmMtleLe7xZJgKjBN0iwnScKESNNB4eprNxsIqA7QXSB2mOoxYaxCe9DVg1fa3lwY6OgHdfrFyY/H5c3ZHSgVjBOajAVHyeKUU0YV3wyj/sJ3FBZZnOXgkaeA5LHyFx8uiI/aM0DNQjUxp3hDQQaCt6Ui9kxFaMkzXcTTjItYFQmgYgkFQous2JE76por1YN0Z2voJVi1yhw21AS2WhMGZXmHLk5o7BNaYkopU4kgcYaPTWaVEwWgihwFEZAKmWxM5m67gNybhxfvnSNrZmHf/qXIecmHLBxFXRBIWwT/nKLFPgMqpW+c+s64+z58s+LXJ2RONwjKrePRt9pFoTLf5uWn9Qk+r86qPr9PTvoc/96l7p6eQ6f43z5ny3njY4Gq0/RwCtb9JDn8HNeW+8APXWKcF5hzThJQgscUmGL3S0mX6dd9CSEFYp5BylNQKGjMkpy2q0t1Zq3Qs5CGLe9z4R1xU7VMCSVkzBPOBXgiLmIi5K9ULTc9uA20aG5+H/yfKm6PaagHlOY0z4u0SCUIxBR4DIO6bjZ4uS6kO9UO+b+AZK3xJ2mB/LlaYA+d/pVGUsUYIUgYipgLrjh9JIceJ0qBSKBIirwo/MVK5OxX6gqBSpzjVMt5+chucKyrPWxqlNqbBjZ0hdGAOseqSTtdXv4T2z4A+5PUmeel2nfzo/uBwLPrmGWExYzkSPI85oEvPBgWCCofzJ3zKq28DYdd1xEUM3dNDRLfQ4VriIp3GFSqxcWDZCX8i8YtT1ks/gGWaWUbIiIAAA==&quot;"/>
+    <we:property name="embedUrl" value="&quot;/reportEmbed?reportId=7da66fbb-1246-49af-8c55-c59b2f4cb609&amp;config=eyJjbHVzdGVyVXJsIjoiaHR0cHM6Ly9XQUJJLU5PUlRILUVVUk9QRS1yZWRpcmVjdC5hbmFseXNpcy53aW5kb3dzLm5ldCIsImVtYmVkRmVhdHVyZXMiOnsibW9kZXJuRW1iZWQiOnRydWUsInVzYWdlTWV0cmljc1ZOZXh0Ijp0cnVlfX0%3D&amp;disableSensitivityBanner=true&quot;"/>
+    <we:property name="datasetId" value="&quot;df1fc4da-0fca-47ee-94c5-662d76b6f77e&quot;"/>
+    <we:property name="pageName" value="&quot;ReportSection5bce9e5025c60b17d223&quot;"/>
+    <we:property name="pageDisplayName" value="&quot;Accidentes&quot;"/>
     <we:property name="backgroundColor" value="&quot;rgb(255,255,255)&quot;"/>
-    <we:property name="bookmark" value="&quot;H4sIAAAAAAAAA+1a204cORD9FdQvvExWtrvdF94CSaRokygKUfYhQqhsV8849LRbbg+BRXzVfsL+2LrdDWGGGYbschnISjzgS7surjp1ynAWKd02FZx+gClGO9F7sBKUsVs0GkV1P7drzNEU7FFeijIuIU0hlSqRUPCY+V2mcdrUbbRzFjmwY3RfdDuDqjvQT349GEVQVR9h3I1KqFocRQ3a1tRQ6T+x3+yXnJ3h+SjCk6YyFroj9x047I499tv92KtCf4u9RJBOH+M+StfPfsLGWDeMuZBYICeMy5QIminGum/afjWouX5/JzQotmdqB7r2CnRzeSYJlMAxhZwKmcsizrr5Uldu2CJOX5801tvtvXHadO57qY6hlqiiYJzFtrflLHo5HlscgxuGr+cW90w1my6Z3zczK/ETlmGpdtqdehnOQqml2QIptcLaeV+fe2d+tMa7OuyowIWpN7N6cBvthhPzfc+i97OKdsj5aNOUNvX4Z7Te81NjY7WE6prid61bPZseegmodLccbb4zfaI7q51ZcGi8+Zpj6zwmHU7RobGm+vuvsd//9MwoUU7g6aldYauPtQL19FRvTKt9qTCHUEkzMdWCBWTzLXC6MYdDuVzQnm2+9hNfyddHzYGfaXU9rgYy8KP6fu6NmULT8QzxzVfsrsieX1AAL+rblbo+wP9pqL73jvcH592OghWAmeJxnolUsjymyNZSgoesU3Ow/5OObyst0c75Ppqi53jdLwocBKOaXpjGft2osIzB5rPonfZ+6M/+AtWsO3b7lf9Cme/1dhR8qNu3ted4Xqt9rPr7fL/+lI4wdt+Hm1gREWFvey/xcMWvfSRkcZoUiSSEiRQJSSihIRJu9LDDEyfMyXx4d6fFkmAqME3SLCdJwoRI042Kqx/V7C6Daox1f8/X4qo3fP63LxeNAfMQY800fDZ0Ms5LuMmcUdTr4zUeRX9M0OIQJrXS7tJn0wasbhdHv+va2xqPondYuls7tx8E1Vb68pMeT9yKgPcJh05PcZsRxl5Q8oLQz4TshJ/ty0w47+xZkZtYq1dDT3VDYs3LIcWLmMzLGd0qyXfRfUest6/kqLEK7W6Pz6+0vWjg6OiBmFfnmofGiQvZPUgoKBOalIKjZHHKKaOKr07roQF/ExZZnOXgkUAByWPlG1EuiI/iR0h9C/XYHOIFJdzEovJIRWHOM/2NpxkXsSoSQMUSCoQWWbEWyDeDvi1pcW+kn2uvXoJVi0xuBSawRUzYKMv76OKExj6hJaaUMpUIEmd422RWOVEAqshREAGpkMnKZH64evfBuOs+fLvg15/InNUVL/Q1l9pFAZkv8/Lr8gSf1Uf1kN8HB0OO3zfUXdNz01uuu8/Zatb6u0DVa7o3AeueSQ4/Rht5PfBDlSjzAnPOSQJK8JgCU+w6lPSZfjZACCkQ8wxSnoJCQWOW5LRbncOZpZsehTSseS8N77qr0DIllJCSJ5wL8I2RiImQvxJarnoA3VDQXP1e+z9VXH+nAQ8ozWmeF2mRShCIKfAY1rLGh0znFk+WXemTKof8X4Rko/GZlED+WCVwCJ3h1UxSxRghSBiKmAuuOL0lhy4TpUAkUCRFXhS+sRI5+5WqQqASxzjRclbdshrs63oL2wal9qaBDVVhtEGVY9GkJw0v/4lt74J9JjjzuFT7an70f7Dx7DpmGWExIzmSPI954As3XgsElXdnznmVFt7qw6nLCIqZubYBiR+hxmWPsScN1KqLixvJSviXmSuvu/8AntoL7LIjAAA=&quot;"/>
-    <we:property name="creatorSessionId" value="&quot;ef20ccc1-eef6-446d-b25f-011583a7eecd&quot;"/>
+  </we:properties>
+  <we:bindings/>
+  <we:snapshot xmlns:r="http://schemas.openxmlformats.org/officeDocument/2006/relationships" r:embed="rId1"/>
+</we:webextension>
+</file>
+
+<file path=ppt/webextensions/webextension3.xml><?xml version="1.0" encoding="utf-8"?>
+<we:webextension xmlns:we="http://schemas.microsoft.com/office/webextensions/webextension/2010/11" id="{76f30020-b35f-4f00-b859-098fadc75b22}">
+  <we:reference id="WA200003233" version="2.0.0.3" store="es-ES" storeType="OMEX"/>
+  <we:alternateReferences/>
+  <we:properties>
+    <we:property name="Microsoft.Office.CampaignId" value="&quot;none&quot;"/>
     <we:property name="creatorTenantId" value="&quot;18e27f59-6146-4e97-956d-0813c1477471&quot;"/>
+    <we:property name="reportUrl" value="&quot;/groups/me/reports/7da66fbb-1246-49af-8c55-c59b2f4cb609/ReportSectione1dea2d778fdbcfacd42?bookmarkGuid=2a81d434-ba3e-4537-8d11-3ae64e9ada2a&amp;bookmarkUsage=1&amp;ctid=18e27f59-6146-4e97-956d-0813c1477471&amp;fromEntryPoint=export&quot;"/>
+    <we:property name="reportState" value="&quot;CONNECTED&quot;"/>
+    <we:property name="reportEmbeddedTime" value="&quot;2022-12-12T14:29:56.871Z&quot;"/>
+    <we:property name="creatorSessionId" value="&quot;cf973db2-1104-42ca-9d23-7ff3da2a2517&quot;"/>
     <we:property name="creatorUserId" value="&quot;10032000D2306FAF&quot;"/>
+    <we:property name="reportName" value="&quot;Dashboard&quot;"/>
+    <we:property name="isFiltersActionButtonVisible" value="true"/>
+    <we:property name="initialStateBookmark" value="&quot;H4sIAAAAAAAAA+1a227bOBD9lUAvfTEW1F3qW5KmQNFNG8SL7kMRBENyZLOVRYGi02QDf1U/YX9sR5TS1o4vDbZJFKRv5kXkzPDwzCHpa0+qpi7h6h3M0HvpHYMRILXZ872RV3V1B+/fvz3eP317/m7/+IiqdW2Vrhrv5bVnwUzQflDNHMp2BKr8eDbyoCxPYNKWCigbHHk1mkZXUKp/sOtMTdbMcTHy8LIutYF2yLEFi+2wF9SdyjS3/0dIM4Kw6gLHKGxXe4q1NrYvoy8RApmmWSG5KEDIKKBvmq7Vmbm7fzupM+xQVxZURQa0dZnMMhbxKA4zDAIfpJ/Itr5Qpe278Kujy9qQ3xSNq7qN1768gEqg9JxzBpvOl2tvfzIxOAHbF4+WGg91OZ+tqR/ruRF4ioVrqqyyVzSHNVAoofdACCWxshTrBQXzxGgKtetRgnVVr+dVHza/LU71l0ODFGfygy1GQzNaV5O7WH1IVRNtlIDyluG/2rZqPjunGVCqttkbfjBpZ1ujrF4JaDh8y7GxRELnM7SojS7//Tqh/k/PjQLFFJ6e2SU26kJJkE/P9Fo3ilKFPodS6KkuVzxgw/fAqlqf9+lyxfpg+NZPKZPvRs0Z1TSqmpS9GPieff/qnJlB3eoM/okydptkFzcSgKb69ENe7+n/ymXfe+f7s0Xbw/eDHBgLUyh8KLI4SLLdkuAh89QS7d8x8E2pBJql2HszJI3X/pBgwTlVd5Mp7Nq1dM3ofL72/lQUh27sD1DO22FfvKIvpP5SvfBcDFXzpiKNR1aNsezW83j3KK1gbL93K7EBEa5vcy94+CGuHRISUoZ5xpO4yP2AyVzwzG/H3Bphi5eW68tleLej5RAhqUsSmtyXeRQL8NmgcPU9mw0EVAdovyB2mOoxoY1Ec9DxwStlbg4M/uiBMv3i7OFxeTN3B8q4JaScCUiLOMBUBAB8M4z6E95r1xiEaQZRFEhgWSgFg5gzWrVHgJqBaqLP8UaCDARvSyT2SCS0FJluxYuIZ6FgIolEhoxxlvhbVnxQcmHNkWqr3Nm59AKMXFUOGzghWOWEQXneoStKCh8jXxYoQxBpXICf/uxmlhmTADKnfMI4JFxEGzdzN5xD7s3FC0XntdEzN25/NWSp5zYPR163CKwlwb+naLDfAZVUN0F9p+3tGL5Ziesddk5XcMat09HfrPMcM3/blx/Xb/B59bnq9/fZWb/H75vqbtm5jHl/cBJ/K3LjoVzW/B8RLMp5Q+BA2Rl1OAVjnz6pxFvUyb2eo27p5pRhGstMAuZhRFKDcx7eYrWOdK57NmM5YpZCEicgSR+HQdRJ7SXKW9vpUfTLjqtCd6W5ibgT5jNWxFEcc6C0zkPGxXMi7k13fwPl781Xlb9V6+417Y4sYRFmBQPhByhyP8p5PKwblQYv1y3pU8/MOyFZK/yd/H4JdDqg8zAMQlLkQZ4HeRzwMAm2XPEsZYUikhJ4BHmUZ3nO/JxnwXPKCk4mX+BUiXn5k9lgrKo9bGoUilwD47LCaECZY9WlNcJ/CQLCl1GUyiwDCNMoQF5E2XOCwI/PUgMVA8svZ3fPFiSTp5QklXDJHAv74Cy66e3PpY9TNZk6k8aCPpBHF13IH5H0t5rrrGz/kNIW3tMnYLVZ8yDlD++MOjRpsTXOd1QV03kl6XB9QoxGc40tiM8oD8A8HamxJRoDOWIDFiwosliGkCShSJIgSdoxty4MOGsP5taSNSvvU27UdScTPbdNDQJPoMI1JxTCLFQS5Y5TivubWPc2SCYpXt7pLXCx+A8u4uVbxyYAAA==&quot;"/>
+    <we:property name="bookmark" value="&quot;H4sIAAAAAAAAA+1a227bOBD9lUIvfTEWpO7qW5M2QIFtN6gX3YciCEbkyGYjiwJF5bKBv2o/YX9sR5SS1o4vDbZJFLRv5kXDmeHhzBnS155UTV3C1QdYoPfKew9GgNTmBfcmXtX3HWh9tgBzBhwDIYTMWCijoMiyFBKapWurdNV4r649C2aG9pNqWig7gdT5+WTiQVkew6xrFVA2OPFqNI2uoFR/Yz+ZhqxpcTnx8LIutYFO5NSCxU7sOU2nNqnCfwtoRRBWneMUhe17P2KtjR3ayCWCL5MkLWQuChAy9Ombph91au6f3y3qFDvUlQVVkQJdXyrTlIV5GAUp+j4HyWPZ9ReqtMOU/OrtZW3IbvLGVd2577U8h0qg9JxxBpvelmvv9WxmcAZ2aL5dGTzUZbvY0D/VrRH4EQs3VFllr2gNa6BQQr8AIZTEypKvl+TMY6PJ1W5GCdZ1HbXV4DbeNef64tAg+ZnsYMvJ2JTW1ew+Wh9S10wbJaC8o/iP1q1qF6e0AkrVDXvjdyYddGuU1WsODcavOTaWYtLpAi1qo8t//5nR/OdnRoFiDs9P7RIbda4kyOeneq0bRalCn0Ip9FyXaxaw8VtgVa1Ph3S5pr0/fu3nlMn3o+aEehpVzcqBDHzNvn/2xiyg7nhG/oUydpdklzcUgJb68k1eH8L/lcu+Dx7vT5bdDM79DBgLEig4FGnkx+l+SvCYeWol7N/T8U2pBJoV33sLJI7X/ZBgwRlV94sp7Me1dMPobL72flfkh172JyjbTuzLN/SF1BfVS8/5UDXvKuJ4pNUUy34/3++X0hHG7nu3E1sQ4eY2D4KHb/zaIyEmZpileRwVGfeZzESe8k7mTg9bvLS5vlyFdyctgxCJXRLRzLnMwkgAZ6PC1ddsNhJQHaC9QOwxNWBCG4nmoI8Hb5S5KRj45JEy/fLk8XF5s3YPyqgLSBkTkBSRj4nwAfLtMBoKviM36AdJCmHoS2BpIAWDKGe0a08ANQPVTJ/iDQUZCd5WgtgTBaEVz/Q7XoR5Gggm4lCkyFjOYr5jx0dFFzaUVDvpzt6tF2DkOnPYEhP89ZgwKst7dIVxwTHkskAZgEiiAnjyvYdZpkwCyIzyCcshzkW49TD34hxyby5eyDtHRi+c3OGmyNLMXRZOvH4TWBcE/5qjweEEVFLdOPWDtnd9+G7Nr/c4OX3DKbeJR99q57nIfHsuP28+4G11Vg3n++RkOOMPHeru6LmKeT46ir8TudFYLmv+DwkWZdsQOFD2Sh3OwdjnH1SiHezkQeuoO7w5YZhEMpWAWRAS1cjzPLgT1fqgcz1EM5YhpgnEUQyS+HHghz3VXgl5Gyc9CX/Zc1XorjS3Be6YccaKKIyiHCit5wHLxc8UuLfd/Y00fm+/qvzFWvfvaV+yBEWQFgwE91FkPMzyaFw3Kg1ebtrS556Z90KyVvgr+f0Q6PRAz4PAD4iR+1nmZ5GfB7G/44pnJSsUoZSQh5CFWZpljGd56v9MWcHR5HOcK9GW35kNpqp6gU2NQpFpYFxWmIwoc6ybtIH4r0BAcBmGiUxTgCAJfcyLMP2ZIPDts9RIycDqy9n9swXR5DklSSVcMsfCPnoU3fb259LHRzWbO5Wmgj6Qb897lz9h0N+prtOy+0NK1/iDPgGrzYYHKT6+GnVs1GKnn+/JKuZtJam4PqaIRmtNLYgzlAdgng/V2OGNkZTYgAXzizSSAcRxIOLYj+NO5s6NAaftQWstabP2PuWkbqpMdGubGgQeQ4UbKhTCLFQS5Z4qxf1N7LZAWS7/A4xzPrWmJgAA&quot;"/>
+    <we:property name="embedUrl" value="&quot;/reportEmbed?reportId=7da66fbb-1246-49af-8c55-c59b2f4cb609&amp;config=eyJjbHVzdGVyVXJsIjoiaHR0cHM6Ly9XQUJJLU5PUlRILUVVUk9QRS1yZWRpcmVjdC5hbmFseXNpcy53aW5kb3dzLm5ldCIsImVtYmVkRmVhdHVyZXMiOnsibW9kZXJuRW1iZWQiOnRydWUsInVzYWdlTWV0cmljc1ZOZXh0Ijp0cnVlfX0%3D&amp;disableSensitivityBanner=true&quot;"/>
     <we:property name="datasetId" value="&quot;df1fc4da-0fca-47ee-94c5-662d76b6f77e&quot;"/>
-    <we:property name="embedUrl" value="&quot;/reportEmbed?reportId=7da66fbb-1246-49af-8c55-c59b2f4cb609&amp;config=eyJjbHVzdGVyVXJsIjoiaHR0cHM6Ly9XQUJJLU5PUlRILUVVUk9QRS1yZWRpcmVjdC5hbmFseXNpcy53aW5kb3dzLm5ldCIsImVtYmVkRmVhdHVyZXMiOnsibW9kZXJuRW1iZWQiOnRydWUsInVzYWdlTWV0cmljc1ZOZXh0Ijp0cnVlfX0%3D&amp;disableSensitivityBanner=true&quot;"/>
-    <we:property name="initialStateBookmark" value="&quot;H4sIAAAAAAAAA+1a3U4bORR+FTQ3vYlWtmc8P9wBBanq0iJYdS8qhI7tk8TdyXjkcSgsylPtI+yLrccztE1ISNlty0D3Dv+Mfc7n75zz2eEmUrqpS7h+AzOMdqNjsBKUsTs0GkVV17f/9u3r473T1xdv9o4PfbepnTZVE+3eRA7sBN073cyhbFfwne/PRxGU5QlM2tYYygZHUY22MRWU+k/sJvshZ+e4GEV4VZfGQrvkmQOH7bKXfrpv+73pL7HfEaTTl3iG0nW9p1gb6/o2FxIL5IRxmRJBM8VY+03TjQYzt89vNw2GHZjKga68AW1fnkkCY+CYQk6FzGURZ23/WJeunyKuD69q6/32aFzXLV576hIqiSoKzllsOl9uor3JxOIEXN88XBo8MOV8tqb/zMytxFMch6HKaXft93AWxlqaHZBSK6ycx3rhwTyxxkMdZpTgQtfRvOpho21zaj4eWPQ4q2iXLEZDM9pUk4dYfeC7JsZqCeUdw7+1bdV8duF3QKXb4Wj4YPrIdlY7swJoPHzLsXE+CV3M0KGxpvz7r4mf//TcGKOcwtMzu8RGX2oF6umZXptG+1JhLqCUZmrKFQ/I8D1wujYXfblcsZ4N3/qpr+TbWXPuexpdTcpeDHyuvr91zsygbnWG+OArdltkF7cSwG/14Yu63qf/61B9v3u+P1+0MwpWAGaKx3kmUsnymCLbKgl+ZJ1aSvsPBL4ptUS7hH00Q6/x2j8UOAhO1d1mGrtxo8IwBp9vol+1x6Fb+x2U83bZFy/9F8p8rF5EAUPdvKq8xvNWnWHZnefx9lVawdh+H05iAyPC3Oa78OELXDsmZHGaFIkkhIkUCUkooYEJ9yLs8MoJc7VM73a1WBJMBaZJmuUkSZgQaTooXn2uZgMh1T66j4gdp3pOGKvQ7nf54KW2txcGOvpBlX5x/uN5ebt3R0oF44QmY8FRsjjllFHFN9Oov+EdhUEWZzl45ikgeaz8xYcL4k/tEahmoZqYC7yVIAPh21ISe6QktIRMd+JpxkWsigRQsYQCoUVWPJE76por1b1yZ+vRS7BqVTlsyAlsNScMyvOOXZzQ2Ae0xJRSphJB4gy/NphVThSAKnIUREAqZLIxmLvlAnNvH148OkfWzMK6/dOQ8zPv83AUdYdA2iT4+xQt9hFQKX0L6hvj7mL4agXXB0RO1wjGrdPRn6yLQmb+FJfv1wf4vPqj6uP7/LyP8e+d6u7YOXSJ/+1jtpw3/ixQdZYeTMG6ZxLDj3FtuUv8UCXGeYE55yQBJXhMgSl2N5V0kX7TpxBSIOYZpDwFhYLGLMlpO7qUZ9ZOehTRsOV9LrwjbsqWKaGEjHnCuQAvxEVMhPyZsuWmB7eBJs3N74P/S8XtZxryAaU5zfMiLVIJAjEFHsOgrpsNXq070idVDvm/oGSt8ZmUQP5YJbCnTv9KI6lijBAkDEXMBVecfqWGHidKgUigSIq8KPzFSuTsZ6oKQUpc4lTLefmV1eBMVzvY1Ci1dw1sqAqjAVWOVZeedHr5T2p7H+wzyTOPK7W/jI/uBwKvrmOWERYzkiPJ85gHvXDvsUAweX/unDdp5W04rLpOoJi5a2qQeAIVrhEqHjCoVMuLe8VK+BeN7l3em6RF+aB3+MXiHwJ11q5DIgAA&quot;"/>
-    <we:property name="isFiltersActionButtonVisible" value="true"/>
-    <we:property name="isFooterCollapsed" value="true"/>
-    <we:property name="pageDisplayName" value="&quot;Accidentes&quot;"/>
-    <we:property name="pageName" value="&quot;ReportSection5bce9e5025c60b17d223&quot;"/>
-    <we:property name="reportEmbeddedTime" value="&quot;2022-12-12T11:22:59.139Z&quot;"/>
-    <we:property name="reportName" value="&quot;Dashboard&quot;"/>
-    <we:property name="reportState" value="&quot;CONNECTED&quot;"/>
-    <we:property name="reportUrl" value="&quot;/groups/me/reports/7da66fbb-1246-49af-8c55-c59b2f4cb609/ReportSection5bce9e5025c60b17d223?bookmarkGuid=ff74e9d4-6e39-44ad-9d18-2026dd9d9a92&amp;bookmarkUsage=1&amp;ctid=18e27f59-6146-4e97-956d-0813c1477471&amp;fromEntryPoint=export&quot;"/>
+    <we:property name="pageName" value="&quot;ReportSectione1dea2d778fdbcfacd42&quot;"/>
+    <we:property name="pageDisplayName" value="&quot;Accidentes por distrito&quot;"/>
+    <we:property name="backgroundColor" value="&quot;rgb(255,255,255)&quot;"/>
   </we:properties>
   <we:bindings/>
   <we:snapshot xmlns:r="http://schemas.openxmlformats.org/officeDocument/2006/relationships" r:embed="rId1"/>
